--- a/presentations/weekly_meetings/2024_9_12.pptx
+++ b/presentations/weekly_meetings/2024_9_12.pptx
@@ -216,7 +216,7 @@
           <a:p>
             <a:fld id="{E933A773-0DCE-3544-BB67-D5FA58DF903C}" type="datetimeFigureOut">
               <a:rPr lang="en-US" smtClean="0"/>
-              <a:t>9/12/24</a:t>
+              <a:t>9/16/24</a:t>
             </a:fld>
             <a:endParaRPr lang="en-US"/>
           </a:p>
@@ -1533,10 +1533,7 @@
               <a:tabLst/>
               <a:defRPr/>
             </a:pPr>
-            <a:r>
-              <a:rPr lang="en-US" dirty="0"/>
-              <a:t>Also checked within individual sorts…</a:t>
-            </a:r>
+            <a:endParaRPr lang="en-US" dirty="0"/>
           </a:p>
         </p:txBody>
       </p:sp>
@@ -1729,7 +1726,7 @@
           <a:p>
             <a:fld id="{80FC6068-BAFB-FC44-B9D8-F4B3BB105DE6}" type="datetimeFigureOut">
               <a:rPr lang="en-US" smtClean="0"/>
-              <a:t>9/12/24</a:t>
+              <a:t>9/16/24</a:t>
             </a:fld>
             <a:endParaRPr lang="en-US"/>
           </a:p>
@@ -1927,7 +1924,7 @@
           <a:p>
             <a:fld id="{80FC6068-BAFB-FC44-B9D8-F4B3BB105DE6}" type="datetimeFigureOut">
               <a:rPr lang="en-US" smtClean="0"/>
-              <a:t>9/12/24</a:t>
+              <a:t>9/16/24</a:t>
             </a:fld>
             <a:endParaRPr lang="en-US"/>
           </a:p>
@@ -2135,7 +2132,7 @@
           <a:p>
             <a:fld id="{80FC6068-BAFB-FC44-B9D8-F4B3BB105DE6}" type="datetimeFigureOut">
               <a:rPr lang="en-US" smtClean="0"/>
-              <a:t>9/12/24</a:t>
+              <a:t>9/16/24</a:t>
             </a:fld>
             <a:endParaRPr lang="en-US"/>
           </a:p>
@@ -2339,7 +2336,7 @@
           <a:p>
             <a:fld id="{80FC6068-BAFB-FC44-B9D8-F4B3BB105DE6}" type="datetimeFigureOut">
               <a:rPr lang="en-US" smtClean="0"/>
-              <a:t>9/12/24</a:t>
+              <a:t>9/16/24</a:t>
             </a:fld>
             <a:endParaRPr lang="en-US"/>
           </a:p>
@@ -2630,7 +2627,7 @@
           <a:p>
             <a:fld id="{80FC6068-BAFB-FC44-B9D8-F4B3BB105DE6}" type="datetimeFigureOut">
               <a:rPr lang="en-US" smtClean="0"/>
-              <a:t>9/12/24</a:t>
+              <a:t>9/16/24</a:t>
             </a:fld>
             <a:endParaRPr lang="en-US"/>
           </a:p>
@@ -2895,7 +2892,7 @@
           <a:p>
             <a:fld id="{80FC6068-BAFB-FC44-B9D8-F4B3BB105DE6}" type="datetimeFigureOut">
               <a:rPr lang="en-US" smtClean="0"/>
-              <a:t>9/12/24</a:t>
+              <a:t>9/16/24</a:t>
             </a:fld>
             <a:endParaRPr lang="en-US"/>
           </a:p>
@@ -3307,7 +3304,7 @@
           <a:p>
             <a:fld id="{80FC6068-BAFB-FC44-B9D8-F4B3BB105DE6}" type="datetimeFigureOut">
               <a:rPr lang="en-US" smtClean="0"/>
-              <a:t>9/12/24</a:t>
+              <a:t>9/16/24</a:t>
             </a:fld>
             <a:endParaRPr lang="en-US"/>
           </a:p>
@@ -3448,7 +3445,7 @@
           <a:p>
             <a:fld id="{80FC6068-BAFB-FC44-B9D8-F4B3BB105DE6}" type="datetimeFigureOut">
               <a:rPr lang="en-US" smtClean="0"/>
-              <a:t>9/12/24</a:t>
+              <a:t>9/16/24</a:t>
             </a:fld>
             <a:endParaRPr lang="en-US"/>
           </a:p>
@@ -3561,7 +3558,7 @@
           <a:p>
             <a:fld id="{80FC6068-BAFB-FC44-B9D8-F4B3BB105DE6}" type="datetimeFigureOut">
               <a:rPr lang="en-US" smtClean="0"/>
-              <a:t>9/12/24</a:t>
+              <a:t>9/16/24</a:t>
             </a:fld>
             <a:endParaRPr lang="en-US"/>
           </a:p>
@@ -3872,7 +3869,7 @@
           <a:p>
             <a:fld id="{80FC6068-BAFB-FC44-B9D8-F4B3BB105DE6}" type="datetimeFigureOut">
               <a:rPr lang="en-US" smtClean="0"/>
-              <a:t>9/12/24</a:t>
+              <a:t>9/16/24</a:t>
             </a:fld>
             <a:endParaRPr lang="en-US"/>
           </a:p>
@@ -4160,7 +4157,7 @@
           <a:p>
             <a:fld id="{80FC6068-BAFB-FC44-B9D8-F4B3BB105DE6}" type="datetimeFigureOut">
               <a:rPr lang="en-US" smtClean="0"/>
-              <a:t>9/12/24</a:t>
+              <a:t>9/16/24</a:t>
             </a:fld>
             <a:endParaRPr lang="en-US"/>
           </a:p>
@@ -4401,7 +4398,7 @@
           <a:p>
             <a:fld id="{80FC6068-BAFB-FC44-B9D8-F4B3BB105DE6}" type="datetimeFigureOut">
               <a:rPr lang="en-US" smtClean="0"/>
-              <a:t>9/12/24</a:t>
+              <a:t>9/16/24</a:t>
             </a:fld>
             <a:endParaRPr lang="en-US"/>
           </a:p>
